--- a/Teamwork - RoseChampagne/Team Rose Champagne.pptx
+++ b/Teamwork - RoseChampagne/Team Rose Champagne.pptx
@@ -3142,14 +3142,16 @@
         </p:nvSpPr>
         <p:spPr/>
         <p:txBody>
-          <a:bodyPr/>
-          <a:lstStyle/>
-          <a:p>
-            <a:r>
-              <a:rPr lang="en-US" dirty="0" smtClean="0"/>
+          <a:bodyPr>
+            <a:normAutofit/>
+          </a:bodyPr>
+          <a:lstStyle/>
+          <a:p>
+            <a:r>
+              <a:rPr lang="en-US" sz="6000" dirty="0" smtClean="0"/>
               <a:t>Team Rose Champagne</a:t>
             </a:r>
-            <a:endParaRPr lang="en-US" dirty="0"/>
+            <a:endParaRPr lang="en-US" sz="6000" dirty="0"/>
           </a:p>
         </p:txBody>
       </p:sp>
@@ -3165,14 +3167,16 @@
         </p:nvSpPr>
         <p:spPr/>
         <p:txBody>
-          <a:bodyPr/>
-          <a:lstStyle/>
-          <a:p>
-            <a:r>
-              <a:rPr lang="en-US" dirty="0" smtClean="0"/>
+          <a:bodyPr>
+            <a:normAutofit/>
+          </a:bodyPr>
+          <a:lstStyle/>
+          <a:p>
+            <a:r>
+              <a:rPr lang="en-US" sz="4000" dirty="0" smtClean="0"/>
               <a:t>JavaScript Teamwork Project</a:t>
             </a:r>
-            <a:endParaRPr lang="en-US" dirty="0"/>
+            <a:endParaRPr lang="en-US" sz="4000" dirty="0"/>
           </a:p>
         </p:txBody>
       </p:sp>
@@ -3382,14 +3386,6 @@
               </a:rPr>
               <a:t>Game Idea, JavaScript Functionality, Code Refactoring</a:t>
             </a:r>
-            <a:endParaRPr lang="en-US" sz="1400" dirty="0" smtClean="0">
-              <a:solidFill>
-                <a:schemeClr val="tx1">
-                  <a:lumMod val="65000"/>
-                  <a:lumOff val="35000"/>
-                </a:schemeClr>
-              </a:solidFill>
-            </a:endParaRPr>
           </a:p>
           <a:p>
             <a:pPr marL="0" indent="0" algn="ctr">
